--- a/flashtalk/flashcard_ppt.pptx
+++ b/flashtalk/flashcard_ppt.pptx
@@ -104,6 +104,11 @@
       </a:defRPr>
     </a:lvl9pPr>
   </p:defaultTextStyle>
+  <p:extLst>
+    <p:ext uri="{EFAFB233-063F-42B5-8137-9DF3F51BA10A}">
+      <p15:sldGuideLst xmlns:p15="http://schemas.microsoft.com/office/powerpoint/2012/main"/>
+    </p:ext>
+  </p:extLst>
 </p:presentation>
 </file>
 
@@ -1046,8 +1051,8 @@
         <a:lstStyle/>
         <a:p>
           <a:r>
-            <a:rPr lang="it-IT" dirty="0" err="1"/>
-            <a:t>God</a:t>
+            <a:rPr lang="it-IT"/>
+            <a:t>Good</a:t>
           </a:r>
           <a:r>
             <a:rPr lang="it-IT" dirty="0"/>
@@ -2004,8 +2009,8 @@
             <a:buNone/>
           </a:pPr>
           <a:r>
-            <a:rPr lang="it-IT" sz="1700" kern="1200" dirty="0" err="1"/>
-            <a:t>God</a:t>
+            <a:rPr lang="it-IT" sz="1700" kern="1200"/>
+            <a:t>Good</a:t>
           </a:r>
           <a:r>
             <a:rPr lang="it-IT" sz="1700" kern="1200" dirty="0"/>
@@ -3958,7 +3963,7 @@
             <a:fld id="{B61BEF0D-F0BB-DE4B-95CE-6DB70DBA9567}" type="datetimeFigureOut">
               <a:rPr lang="en-US" smtClean="0"/>
               <a:pPr/>
-              <a:t>10/21/2016</a:t>
+              <a:t>10/24/2016</a:t>
             </a:fld>
             <a:endParaRPr lang="en-US" dirty="0"/>
           </a:p>
@@ -4256,7 +4261,7 @@
             <a:fld id="{B61BEF0D-F0BB-DE4B-95CE-6DB70DBA9567}" type="datetimeFigureOut">
               <a:rPr lang="en-US" smtClean="0"/>
               <a:pPr/>
-              <a:t>10/21/2016</a:t>
+              <a:t>10/24/2016</a:t>
             </a:fld>
             <a:endParaRPr lang="en-US" dirty="0"/>
           </a:p>
@@ -4506,7 +4511,7 @@
             <a:fld id="{B61BEF0D-F0BB-DE4B-95CE-6DB70DBA9567}" type="datetimeFigureOut">
               <a:rPr lang="en-US" smtClean="0"/>
               <a:pPr/>
-              <a:t>10/21/2016</a:t>
+              <a:t>10/24/2016</a:t>
             </a:fld>
             <a:endParaRPr lang="en-US" dirty="0"/>
           </a:p>
@@ -5048,7 +5053,7 @@
             <a:fld id="{B61BEF0D-F0BB-DE4B-95CE-6DB70DBA9567}" type="datetimeFigureOut">
               <a:rPr lang="en-US" smtClean="0"/>
               <a:pPr/>
-              <a:t>10/21/2016</a:t>
+              <a:t>10/24/2016</a:t>
             </a:fld>
             <a:endParaRPr lang="en-US" dirty="0"/>
           </a:p>
@@ -5298,7 +5303,7 @@
             <a:fld id="{B61BEF0D-F0BB-DE4B-95CE-6DB70DBA9567}" type="datetimeFigureOut">
               <a:rPr lang="en-US" smtClean="0"/>
               <a:pPr/>
-              <a:t>10/21/2016</a:t>
+              <a:t>10/24/2016</a:t>
             </a:fld>
             <a:endParaRPr lang="en-US" dirty="0"/>
           </a:p>
@@ -5832,7 +5837,7 @@
             <a:fld id="{B61BEF0D-F0BB-DE4B-95CE-6DB70DBA9567}" type="datetimeFigureOut">
               <a:rPr lang="en-US" smtClean="0"/>
               <a:pPr/>
-              <a:t>10/21/2016</a:t>
+              <a:t>10/24/2016</a:t>
             </a:fld>
             <a:endParaRPr lang="en-US" dirty="0"/>
           </a:p>
@@ -6131,7 +6136,7 @@
             <a:fld id="{B61BEF0D-F0BB-DE4B-95CE-6DB70DBA9567}" type="datetimeFigureOut">
               <a:rPr lang="en-US" smtClean="0"/>
               <a:pPr/>
-              <a:t>10/21/2016</a:t>
+              <a:t>10/24/2016</a:t>
             </a:fld>
             <a:endParaRPr lang="en-US" dirty="0"/>
           </a:p>
@@ -6307,7 +6312,7 @@
             <a:fld id="{B61BEF0D-F0BB-DE4B-95CE-6DB70DBA9567}" type="datetimeFigureOut">
               <a:rPr lang="en-US" smtClean="0"/>
               <a:pPr/>
-              <a:t>10/21/2016</a:t>
+              <a:t>10/24/2016</a:t>
             </a:fld>
             <a:endParaRPr lang="en-US" dirty="0"/>
           </a:p>
@@ -6489,7 +6494,7 @@
             <a:fld id="{B61BEF0D-F0BB-DE4B-95CE-6DB70DBA9567}" type="datetimeFigureOut">
               <a:rPr lang="en-US" smtClean="0"/>
               <a:pPr/>
-              <a:t>10/21/2016</a:t>
+              <a:t>10/24/2016</a:t>
             </a:fld>
             <a:endParaRPr lang="en-US" dirty="0"/>
           </a:p>
@@ -6661,7 +6666,7 @@
             <a:fld id="{B61BEF0D-F0BB-DE4B-95CE-6DB70DBA9567}" type="datetimeFigureOut">
               <a:rPr lang="en-US" smtClean="0"/>
               <a:pPr/>
-              <a:t>10/21/2016</a:t>
+              <a:t>10/24/2016</a:t>
             </a:fld>
             <a:endParaRPr lang="en-US" dirty="0"/>
           </a:p>
@@ -6914,7 +6919,7 @@
             <a:fld id="{B61BEF0D-F0BB-DE4B-95CE-6DB70DBA9567}" type="datetimeFigureOut">
               <a:rPr lang="en-US" smtClean="0"/>
               <a:pPr/>
-              <a:t>10/21/2016</a:t>
+              <a:t>10/24/2016</a:t>
             </a:fld>
             <a:endParaRPr lang="en-US" dirty="0"/>
           </a:p>
@@ -7213,7 +7218,7 @@
             <a:fld id="{B61BEF0D-F0BB-DE4B-95CE-6DB70DBA9567}" type="datetimeFigureOut">
               <a:rPr lang="en-US" smtClean="0"/>
               <a:pPr/>
-              <a:t>10/21/2016</a:t>
+              <a:t>10/24/2016</a:t>
             </a:fld>
             <a:endParaRPr lang="en-US" dirty="0"/>
           </a:p>
@@ -7657,7 +7662,7 @@
             <a:fld id="{B61BEF0D-F0BB-DE4B-95CE-6DB70DBA9567}" type="datetimeFigureOut">
               <a:rPr lang="en-US" smtClean="0"/>
               <a:pPr/>
-              <a:t>10/21/2016</a:t>
+              <a:t>10/24/2016</a:t>
             </a:fld>
             <a:endParaRPr lang="en-US" dirty="0"/>
           </a:p>
@@ -7777,7 +7782,7 @@
             <a:fld id="{B61BEF0D-F0BB-DE4B-95CE-6DB70DBA9567}" type="datetimeFigureOut">
               <a:rPr lang="en-US" smtClean="0"/>
               <a:pPr/>
-              <a:t>10/21/2016</a:t>
+              <a:t>10/24/2016</a:t>
             </a:fld>
             <a:endParaRPr lang="en-US" dirty="0"/>
           </a:p>
@@ -7874,7 +7879,7 @@
             <a:fld id="{B61BEF0D-F0BB-DE4B-95CE-6DB70DBA9567}" type="datetimeFigureOut">
               <a:rPr lang="en-US" smtClean="0"/>
               <a:pPr/>
-              <a:t>10/21/2016</a:t>
+              <a:t>10/24/2016</a:t>
             </a:fld>
             <a:endParaRPr lang="en-US" dirty="0"/>
           </a:p>
@@ -8159,7 +8164,7 @@
             <a:fld id="{B61BEF0D-F0BB-DE4B-95CE-6DB70DBA9567}" type="datetimeFigureOut">
               <a:rPr lang="en-US" smtClean="0"/>
               <a:pPr/>
-              <a:t>10/21/2016</a:t>
+              <a:t>10/24/2016</a:t>
             </a:fld>
             <a:endParaRPr lang="en-US" dirty="0"/>
           </a:p>
@@ -8452,7 +8457,7 @@
             <a:fld id="{B61BEF0D-F0BB-DE4B-95CE-6DB70DBA9567}" type="datetimeFigureOut">
               <a:rPr lang="en-US" smtClean="0"/>
               <a:pPr/>
-              <a:t>10/21/2016</a:t>
+              <a:t>10/24/2016</a:t>
             </a:fld>
             <a:endParaRPr lang="en-US" dirty="0"/>
           </a:p>
@@ -8984,7 +8989,7 @@
             <a:fld id="{B61BEF0D-F0BB-DE4B-95CE-6DB70DBA9567}" type="datetimeFigureOut">
               <a:rPr lang="en-US" smtClean="0"/>
               <a:pPr/>
-              <a:t>10/21/2016</a:t>
+              <a:t>10/24/2016</a:t>
             </a:fld>
             <a:endParaRPr lang="en-US" dirty="0"/>
           </a:p>
@@ -9523,7 +9528,7 @@
           <p:nvPr>
             <p:extLst>
               <p:ext uri="{D42A27DB-BD31-4B8C-83A1-F6EECF244321}">
-                <p14:modId xmlns:p14="http://schemas.microsoft.com/office/powerpoint/2010/main" val="3716471441"/>
+                <p14:modId xmlns:p14="http://schemas.microsoft.com/office/powerpoint/2010/main" val="3663617325"/>
               </p:ext>
             </p:extLst>
           </p:nvPr>
